--- a/Adverse Drug Reaction Reporting Events.pptx
+++ b/Adverse Drug Reaction Reporting Events.pptx
@@ -10,8 +10,7 @@
     <p:sldId id="315" r:id="rId7"/>
     <p:sldId id="312" r:id="rId8"/>
     <p:sldId id="319" r:id="rId9"/>
-    <p:sldId id="318" r:id="rId10"/>
-    <p:sldId id="316" r:id="rId11"/>
+    <p:sldId id="320" r:id="rId10"/>
   </p:sldIdLst>
   <p:sldSz cx="12192000" cy="6858000"/>
   <p:notesSz cx="6858000" cy="9144000"/>
@@ -587,7 +586,7 @@
           <a:p>
             <a:fld id="{EA0C0817-A112-4847-8014-A94B7D2A4EA3}" type="datetime1">
               <a:rPr lang="en-US" smtClean="0"/>
-              <a:t>11/10/2021</a:t>
+              <a:t>11/11/2021</a:t>
             </a:fld>
             <a:endParaRPr lang="en-US" dirty="0"/>
           </a:p>
@@ -789,7 +788,7 @@
           <a:p>
             <a:fld id="{7332B432-ACDA-4023-A761-2BAB76577B62}" type="datetime1">
               <a:rPr lang="en-US" smtClean="0"/>
-              <a:t>11/10/2021</a:t>
+              <a:t>11/11/2021</a:t>
             </a:fld>
             <a:endParaRPr lang="en-US" dirty="0"/>
           </a:p>
@@ -1388,7 +1387,7 @@
           <a:p>
             <a:fld id="{D9C646AA-F36E-4540-911D-FFFC0A0EF24A}" type="datetime1">
               <a:rPr lang="en-US" smtClean="0"/>
-              <a:t>11/10/2021</a:t>
+              <a:t>11/11/2021</a:t>
             </a:fld>
             <a:endParaRPr lang="en-US" dirty="0"/>
           </a:p>
@@ -1708,7 +1707,7 @@
           <a:p>
             <a:fld id="{69186D26-FA5F-4637-B602-B7C2DC34CFD4}" type="datetime1">
               <a:rPr lang="en-US" smtClean="0"/>
-              <a:t>11/10/2021</a:t>
+              <a:t>11/11/2021</a:t>
             </a:fld>
             <a:endParaRPr lang="en-US" dirty="0"/>
           </a:p>
@@ -2145,7 +2144,7 @@
           <a:p>
             <a:fld id="{8A7F15D8-96D1-4781-BC50-CA8A088B2FE4}" type="datetime1">
               <a:rPr lang="en-US" smtClean="0"/>
-              <a:t>11/10/2021</a:t>
+              <a:t>11/11/2021</a:t>
             </a:fld>
             <a:endParaRPr lang="en-US" dirty="0"/>
           </a:p>
@@ -2263,7 +2262,7 @@
           <a:p>
             <a:fld id="{F9A96C99-B8F8-4528-BD05-0E16E943DC09}" type="datetime1">
               <a:rPr lang="en-US" smtClean="0"/>
-              <a:t>11/10/2021</a:t>
+              <a:t>11/11/2021</a:t>
             </a:fld>
             <a:endParaRPr lang="en-US" dirty="0"/>
           </a:p>
@@ -2358,7 +2357,7 @@
           <a:p>
             <a:fld id="{03636942-C211-4B28-8DBD-C953E00AF71B}" type="datetime1">
               <a:rPr lang="en-US" smtClean="0"/>
-              <a:t>11/10/2021</a:t>
+              <a:t>11/11/2021</a:t>
             </a:fld>
             <a:endParaRPr lang="en-US" dirty="0"/>
           </a:p>
@@ -2775,7 +2774,7 @@
           <a:p>
             <a:fld id="{7E8D12A6-918A-48BD-8CB9-CA713993B0EA}" type="datetime1">
               <a:rPr lang="en-US" smtClean="0"/>
-              <a:t>11/10/2021</a:t>
+              <a:t>11/11/2021</a:t>
             </a:fld>
             <a:endParaRPr lang="en-US" dirty="0"/>
           </a:p>
@@ -3037,7 +3036,7 @@
             <a:fld id="{E778CE86-875F-4587-BCF6-FA054AFC0D53}" type="datetime1">
               <a:rPr lang="en-US" smtClean="0"/>
               <a:pPr/>
-              <a:t>11/10/2021</a:t>
+              <a:t>11/11/2021</a:t>
             </a:fld>
             <a:endParaRPr lang="en-US" dirty="0"/>
           </a:p>
@@ -3553,7 +3552,7 @@
           <a:p>
             <a:fld id="{F6FA2B21-3FCD-4721-B95C-427943F61125}" type="datetime1">
               <a:rPr lang="en-US" smtClean="0"/>
-              <a:t>11/10/2021</a:t>
+              <a:t>11/11/2021</a:t>
             </a:fld>
             <a:endParaRPr lang="en-US" dirty="0"/>
           </a:p>
@@ -5311,28 +5310,6 @@
             </a:r>
           </a:p>
           <a:p>
-            <a:pPr marL="285750" indent="-285750">
-              <a:buFont typeface="Arial" panose="020B0604020202020204" pitchFamily="34" charset="0"/>
-              <a:buChar char="•"/>
-            </a:pPr>
-            <a:r>
-              <a:rPr lang="en-US" dirty="0">
-                <a:latin typeface="Arial Narrow" panose="020B0606020202030204" pitchFamily="34" charset="0"/>
-              </a:rPr>
-              <a:t>Statistically significant Months: </a:t>
-            </a:r>
-            <a:r>
-              <a:rPr lang="en-US" sz="2800" b="1" dirty="0">
-                <a:latin typeface="Arial Narrow" panose="020B0606020202030204" pitchFamily="34" charset="0"/>
-              </a:rPr>
-              <a:t>Dec, Jan, Feb!</a:t>
-            </a:r>
-          </a:p>
-          <a:p>
-            <a:pPr marL="285750" indent="-285750">
-              <a:buFont typeface="Arial" panose="020B0604020202020204" pitchFamily="34" charset="0"/>
-              <a:buChar char="•"/>
-            </a:pPr>
             <a:endParaRPr lang="en-US" dirty="0">
               <a:latin typeface="Arial Narrow" panose="020B0606020202030204" pitchFamily="34" charset="0"/>
             </a:endParaRPr>
@@ -5921,440 +5898,6 @@
       </p:grpSpPr>
       <p:sp>
         <p:nvSpPr>
-          <p:cNvPr id="2" name="Title 1">
-            <a:extLst>
-              <a:ext uri="{FF2B5EF4-FFF2-40B4-BE49-F238E27FC236}">
-                <a16:creationId xmlns:a16="http://schemas.microsoft.com/office/drawing/2014/main" id="{41B81AD9-28FE-4BBC-92D4-BF7CF24DC048}"/>
-              </a:ext>
-            </a:extLst>
-          </p:cNvPr>
-          <p:cNvSpPr>
-            <a:spLocks noGrp="1"/>
-          </p:cNvSpPr>
-          <p:nvPr>
-            <p:ph type="title"/>
-          </p:nvPr>
-        </p:nvSpPr>
-        <p:spPr/>
-        <p:txBody>
-          <a:bodyPr>
-            <a:normAutofit/>
-          </a:bodyPr>
-          <a:lstStyle/>
-          <a:p>
-            <a:r>
-              <a:rPr lang="en-US" dirty="0">
-                <a:solidFill>
-                  <a:schemeClr val="tx1"/>
-                </a:solidFill>
-                <a:latin typeface="Arial Nova" panose="020B0604020202020204" pitchFamily="34" charset="0"/>
-                <a:cs typeface="Aldhabi" panose="020B0604020202020204" pitchFamily="2" charset="-78"/>
-              </a:rPr>
-              <a:t>Jamie Analysis</a:t>
-            </a:r>
-          </a:p>
-        </p:txBody>
-      </p:sp>
-      <p:sp>
-        <p:nvSpPr>
-          <p:cNvPr id="3" name="Content Placeholder 2">
-            <a:extLst>
-              <a:ext uri="{FF2B5EF4-FFF2-40B4-BE49-F238E27FC236}">
-                <a16:creationId xmlns:a16="http://schemas.microsoft.com/office/drawing/2014/main" id="{9098AE21-438E-43C8-8F5F-BD1C23089FF2}"/>
-              </a:ext>
-            </a:extLst>
-          </p:cNvPr>
-          <p:cNvSpPr>
-            <a:spLocks noGrp="1"/>
-          </p:cNvSpPr>
-          <p:nvPr>
-            <p:ph sz="half" idx="1"/>
-          </p:nvPr>
-        </p:nvSpPr>
-        <p:spPr>
-          <a:xfrm>
-            <a:off x="564777" y="2103120"/>
-            <a:ext cx="6122894" cy="2217868"/>
-          </a:xfrm>
-        </p:spPr>
-        <p:txBody>
-          <a:bodyPr>
-            <a:normAutofit/>
-          </a:bodyPr>
-          <a:lstStyle/>
-          <a:p>
-            <a:pPr lvl="0"/>
-            <a:r>
-              <a:rPr lang="en-US" sz="2400" dirty="0">
-                <a:latin typeface="Abadi" panose="020B0604020202020204" pitchFamily="34" charset="0"/>
-              </a:rPr>
-              <a:t>Details</a:t>
-            </a:r>
-          </a:p>
-          <a:p>
-            <a:r>
-              <a:rPr lang="en-US" sz="2400" dirty="0">
-                <a:latin typeface="Abadi" panose="020B0604020202020204" pitchFamily="34" charset="0"/>
-              </a:rPr>
-              <a:t>Details</a:t>
-            </a:r>
-          </a:p>
-          <a:p>
-            <a:endParaRPr lang="en-US" sz="2400" dirty="0">
-              <a:latin typeface="Abadi" panose="020B0604020202020204" pitchFamily="34" charset="0"/>
-            </a:endParaRPr>
-          </a:p>
-          <a:p>
-            <a:pPr lvl="0"/>
-            <a:endParaRPr lang="en-US" sz="2400" dirty="0">
-              <a:latin typeface="Abadi" panose="020B0604020202020204" pitchFamily="34" charset="0"/>
-            </a:endParaRPr>
-          </a:p>
-        </p:txBody>
-      </p:sp>
-      <p:pic>
-        <p:nvPicPr>
-          <p:cNvPr id="6" name="Content Placeholder 5">
-            <a:extLst>
-              <a:ext uri="{FF2B5EF4-FFF2-40B4-BE49-F238E27FC236}">
-                <a16:creationId xmlns:a16="http://schemas.microsoft.com/office/drawing/2014/main" id="{638CBC04-69B7-4AAB-A861-4A9EBB62F084}"/>
-              </a:ext>
-            </a:extLst>
-          </p:cNvPr>
-          <p:cNvPicPr>
-            <a:picLocks noGrp="1" noChangeAspect="1"/>
-          </p:cNvPicPr>
-          <p:nvPr>
-            <p:ph sz="half" idx="2"/>
-          </p:nvPr>
-        </p:nvPicPr>
-        <p:blipFill>
-          <a:blip r:embed="rId2"/>
-          <a:stretch>
-            <a:fillRect/>
-          </a:stretch>
-        </p:blipFill>
-        <p:spPr>
-          <a:xfrm>
-            <a:off x="6775528" y="870276"/>
-            <a:ext cx="4664075" cy="3107364"/>
-          </a:xfrm>
-        </p:spPr>
-      </p:pic>
-      <p:sp>
-        <p:nvSpPr>
-          <p:cNvPr id="7" name="Content Placeholder 2">
-            <a:extLst>
-              <a:ext uri="{FF2B5EF4-FFF2-40B4-BE49-F238E27FC236}">
-                <a16:creationId xmlns:a16="http://schemas.microsoft.com/office/drawing/2014/main" id="{1AC03324-4794-4FB6-82A0-F955B29ADE8E}"/>
-              </a:ext>
-            </a:extLst>
-          </p:cNvPr>
-          <p:cNvSpPr txBox="1">
-            <a:spLocks/>
-          </p:cNvSpPr>
-          <p:nvPr/>
-        </p:nvSpPr>
-        <p:spPr>
-          <a:xfrm>
-            <a:off x="564776" y="4455459"/>
-            <a:ext cx="10757647" cy="1759947"/>
-          </a:xfrm>
-          <a:prstGeom prst="rect">
-            <a:avLst/>
-          </a:prstGeom>
-        </p:spPr>
-        <p:txBody>
-          <a:bodyPr vert="horz" lIns="91440" tIns="45720" rIns="91440" bIns="45720" rtlCol="0">
-            <a:normAutofit/>
-          </a:bodyPr>
-          <a:lstStyle>
-            <a:lvl1pPr marL="182880" indent="-182880" algn="l" defTabSz="914400" rtl="0" eaLnBrk="1" latinLnBrk="0" hangingPunct="1">
-              <a:lnSpc>
-                <a:spcPct val="120000"/>
-              </a:lnSpc>
-              <a:spcBef>
-                <a:spcPts val="900"/>
-              </a:spcBef>
-              <a:spcAft>
-                <a:spcPts val="0"/>
-              </a:spcAft>
-              <a:buClr>
-                <a:schemeClr val="tx1">
-                  <a:lumMod val="85000"/>
-                  <a:lumOff val="15000"/>
-                </a:schemeClr>
-              </a:buClr>
-              <a:buFont typeface="Garamond" pitchFamily="18" charset="0"/>
-              <a:buChar char="◦"/>
-              <a:defRPr sz="1800" kern="1200">
-                <a:solidFill>
-                  <a:schemeClr val="tx1"/>
-                </a:solidFill>
-                <a:latin typeface="+mn-lt"/>
-                <a:ea typeface="+mn-ea"/>
-                <a:cs typeface="+mn-cs"/>
-              </a:defRPr>
-            </a:lvl1pPr>
-            <a:lvl2pPr marL="457200" indent="-182880" algn="l" defTabSz="914400" rtl="0" eaLnBrk="1" latinLnBrk="0" hangingPunct="1">
-              <a:lnSpc>
-                <a:spcPct val="100000"/>
-              </a:lnSpc>
-              <a:spcBef>
-                <a:spcPts val="500"/>
-              </a:spcBef>
-              <a:buClr>
-                <a:schemeClr val="tx1">
-                  <a:lumMod val="85000"/>
-                  <a:lumOff val="15000"/>
-                </a:schemeClr>
-              </a:buClr>
-              <a:buFont typeface="Garamond" pitchFamily="18" charset="0"/>
-              <a:buChar char="◦"/>
-              <a:defRPr sz="1600" kern="1200">
-                <a:solidFill>
-                  <a:schemeClr val="tx1"/>
-                </a:solidFill>
-                <a:latin typeface="+mn-lt"/>
-                <a:ea typeface="+mn-ea"/>
-                <a:cs typeface="+mn-cs"/>
-              </a:defRPr>
-            </a:lvl2pPr>
-            <a:lvl3pPr marL="731520" indent="-182880" algn="l" defTabSz="914400" rtl="0" eaLnBrk="1" latinLnBrk="0" hangingPunct="1">
-              <a:lnSpc>
-                <a:spcPct val="100000"/>
-              </a:lnSpc>
-              <a:spcBef>
-                <a:spcPts val="500"/>
-              </a:spcBef>
-              <a:buClr>
-                <a:schemeClr val="tx1">
-                  <a:lumMod val="85000"/>
-                  <a:lumOff val="15000"/>
-                </a:schemeClr>
-              </a:buClr>
-              <a:buFont typeface="Garamond" pitchFamily="18" charset="0"/>
-              <a:buChar char="◦"/>
-              <a:defRPr sz="1400" kern="1200">
-                <a:solidFill>
-                  <a:schemeClr val="tx1"/>
-                </a:solidFill>
-                <a:latin typeface="+mn-lt"/>
-                <a:ea typeface="+mn-ea"/>
-                <a:cs typeface="+mn-cs"/>
-              </a:defRPr>
-            </a:lvl3pPr>
-            <a:lvl4pPr marL="1005840" indent="-182880" algn="l" defTabSz="914400" rtl="0" eaLnBrk="1" latinLnBrk="0" hangingPunct="1">
-              <a:lnSpc>
-                <a:spcPct val="100000"/>
-              </a:lnSpc>
-              <a:spcBef>
-                <a:spcPts val="500"/>
-              </a:spcBef>
-              <a:buClr>
-                <a:schemeClr val="tx1">
-                  <a:lumMod val="85000"/>
-                  <a:lumOff val="15000"/>
-                </a:schemeClr>
-              </a:buClr>
-              <a:buFont typeface="Garamond" pitchFamily="18" charset="0"/>
-              <a:buChar char="◦"/>
-              <a:defRPr sz="1400" kern="1200">
-                <a:solidFill>
-                  <a:schemeClr val="tx1"/>
-                </a:solidFill>
-                <a:latin typeface="+mn-lt"/>
-                <a:ea typeface="+mn-ea"/>
-                <a:cs typeface="+mn-cs"/>
-              </a:defRPr>
-            </a:lvl4pPr>
-            <a:lvl5pPr marL="1280160" indent="-182880" algn="l" defTabSz="914400" rtl="0" eaLnBrk="1" latinLnBrk="0" hangingPunct="1">
-              <a:lnSpc>
-                <a:spcPct val="100000"/>
-              </a:lnSpc>
-              <a:spcBef>
-                <a:spcPts val="500"/>
-              </a:spcBef>
-              <a:buClr>
-                <a:schemeClr val="tx1">
-                  <a:lumMod val="85000"/>
-                  <a:lumOff val="15000"/>
-                </a:schemeClr>
-              </a:buClr>
-              <a:buFont typeface="Garamond" pitchFamily="18" charset="0"/>
-              <a:buChar char="◦"/>
-              <a:defRPr sz="1400" kern="1200">
-                <a:solidFill>
-                  <a:schemeClr val="tx1"/>
-                </a:solidFill>
-                <a:latin typeface="+mn-lt"/>
-                <a:ea typeface="+mn-ea"/>
-                <a:cs typeface="+mn-cs"/>
-              </a:defRPr>
-            </a:lvl5pPr>
-            <a:lvl6pPr marL="1600000" indent="-228600" algn="l" defTabSz="914400" rtl="0" eaLnBrk="1" latinLnBrk="0" hangingPunct="1">
-              <a:lnSpc>
-                <a:spcPct val="100000"/>
-              </a:lnSpc>
-              <a:spcBef>
-                <a:spcPts val="500"/>
-              </a:spcBef>
-              <a:buClr>
-                <a:schemeClr val="tx1">
-                  <a:lumMod val="85000"/>
-                  <a:lumOff val="15000"/>
-                </a:schemeClr>
-              </a:buClr>
-              <a:buFont typeface="Garamond" pitchFamily="18" charset="0"/>
-              <a:buChar char="◦"/>
-              <a:defRPr sz="1400" kern="1200">
-                <a:solidFill>
-                  <a:schemeClr val="tx1"/>
-                </a:solidFill>
-                <a:latin typeface="+mn-lt"/>
-                <a:ea typeface="+mn-ea"/>
-                <a:cs typeface="+mn-cs"/>
-              </a:defRPr>
-            </a:lvl6pPr>
-            <a:lvl7pPr marL="1900000" indent="-228600" algn="l" defTabSz="914400" rtl="0" eaLnBrk="1" latinLnBrk="0" hangingPunct="1">
-              <a:lnSpc>
-                <a:spcPct val="100000"/>
-              </a:lnSpc>
-              <a:spcBef>
-                <a:spcPts val="500"/>
-              </a:spcBef>
-              <a:buClr>
-                <a:schemeClr val="tx1">
-                  <a:lumMod val="85000"/>
-                  <a:lumOff val="15000"/>
-                </a:schemeClr>
-              </a:buClr>
-              <a:buFont typeface="Garamond" pitchFamily="18" charset="0"/>
-              <a:buChar char="◦"/>
-              <a:defRPr sz="1400" kern="1200">
-                <a:solidFill>
-                  <a:schemeClr val="tx1"/>
-                </a:solidFill>
-                <a:latin typeface="+mn-lt"/>
-                <a:ea typeface="+mn-ea"/>
-                <a:cs typeface="+mn-cs"/>
-              </a:defRPr>
-            </a:lvl7pPr>
-            <a:lvl8pPr marL="2200000" indent="-228600" algn="l" defTabSz="914400" rtl="0" eaLnBrk="1" latinLnBrk="0" hangingPunct="1">
-              <a:lnSpc>
-                <a:spcPct val="100000"/>
-              </a:lnSpc>
-              <a:spcBef>
-                <a:spcPts val="500"/>
-              </a:spcBef>
-              <a:buClr>
-                <a:schemeClr val="tx1">
-                  <a:lumMod val="85000"/>
-                  <a:lumOff val="15000"/>
-                </a:schemeClr>
-              </a:buClr>
-              <a:buFont typeface="Garamond" pitchFamily="18" charset="0"/>
-              <a:buChar char="◦"/>
-              <a:defRPr sz="1400" kern="1200">
-                <a:solidFill>
-                  <a:schemeClr val="tx1"/>
-                </a:solidFill>
-                <a:latin typeface="+mn-lt"/>
-                <a:ea typeface="+mn-ea"/>
-                <a:cs typeface="+mn-cs"/>
-              </a:defRPr>
-            </a:lvl8pPr>
-            <a:lvl9pPr marL="2500000" indent="-228600" algn="l" defTabSz="914400" rtl="0" eaLnBrk="1" latinLnBrk="0" hangingPunct="1">
-              <a:lnSpc>
-                <a:spcPct val="100000"/>
-              </a:lnSpc>
-              <a:spcBef>
-                <a:spcPts val="500"/>
-              </a:spcBef>
-              <a:buClr>
-                <a:schemeClr val="tx1">
-                  <a:lumMod val="85000"/>
-                  <a:lumOff val="15000"/>
-                </a:schemeClr>
-              </a:buClr>
-              <a:buFont typeface="Garamond" pitchFamily="18" charset="0"/>
-              <a:buChar char="◦"/>
-              <a:defRPr sz="1400" kern="1200">
-                <a:solidFill>
-                  <a:schemeClr val="tx1"/>
-                </a:solidFill>
-                <a:latin typeface="+mn-lt"/>
-                <a:ea typeface="+mn-ea"/>
-                <a:cs typeface="+mn-cs"/>
-              </a:defRPr>
-            </a:lvl9pPr>
-          </a:lstStyle>
-          <a:p>
-            <a:pPr marL="0" indent="0" algn="ctr">
-              <a:buNone/>
-            </a:pPr>
-            <a:r>
-              <a:rPr lang="en-US" sz="2800" b="1" dirty="0">
-                <a:latin typeface="Abadi" panose="020B0604020202020204" pitchFamily="34" charset="0"/>
-              </a:rPr>
-              <a:t>Question Here</a:t>
-            </a:r>
-          </a:p>
-          <a:p>
-            <a:pPr marL="0" indent="0" algn="ctr">
-              <a:buNone/>
-            </a:pPr>
-            <a:r>
-              <a:rPr lang="en-US" dirty="0">
-                <a:latin typeface="Abadi" panose="020B0604020202020204" pitchFamily="34" charset="0"/>
-              </a:rPr>
-              <a:t>Additional statement??</a:t>
-            </a:r>
-          </a:p>
-          <a:p>
-            <a:endParaRPr lang="en-US" sz="2400" dirty="0">
-              <a:latin typeface="Abadi" panose="020B0604020202020204" pitchFamily="34" charset="0"/>
-            </a:endParaRPr>
-          </a:p>
-          <a:p>
-            <a:endParaRPr lang="en-US" sz="2400" dirty="0">
-              <a:latin typeface="Abadi" panose="020B0604020202020204" pitchFamily="34" charset="0"/>
-            </a:endParaRPr>
-          </a:p>
-        </p:txBody>
-      </p:sp>
-    </p:spTree>
-    <p:extLst>
-      <p:ext uri="{BB962C8B-B14F-4D97-AF65-F5344CB8AC3E}">
-        <p14:creationId xmlns:p14="http://schemas.microsoft.com/office/powerpoint/2010/main" val="2889098203"/>
-      </p:ext>
-    </p:extLst>
-  </p:cSld>
-  <p:clrMapOvr>
-    <a:masterClrMapping/>
-  </p:clrMapOvr>
-</p:sld>
-</file>
-
-<file path=ppt/slides/slide7.xml><?xml version="1.0" encoding="utf-8"?>
-<p:sld xmlns:a="http://schemas.openxmlformats.org/drawingml/2006/main" xmlns:r="http://schemas.openxmlformats.org/officeDocument/2006/relationships" xmlns:p="http://schemas.openxmlformats.org/presentationml/2006/main">
-  <p:cSld>
-    <p:spTree>
-      <p:nvGrpSpPr>
-        <p:cNvPr id="1" name=""/>
-        <p:cNvGrpSpPr/>
-        <p:nvPr/>
-      </p:nvGrpSpPr>
-      <p:grpSpPr>
-        <a:xfrm>
-          <a:off x="0" y="0"/>
-          <a:ext cx="0" cy="0"/>
-          <a:chOff x="0" y="0"/>
-          <a:chExt cx="0" cy="0"/>
-        </a:xfrm>
-      </p:grpSpPr>
-      <p:sp>
-        <p:nvSpPr>
           <p:cNvPr id="21" name="Title 20">
             <a:extLst>
               <a:ext uri="{FF2B5EF4-FFF2-40B4-BE49-F238E27FC236}">
@@ -6387,7 +5930,20 @@
                 <a:latin typeface="Arial Nova" panose="020B0604020202020204" pitchFamily="34" charset="0"/>
                 <a:cs typeface="Aldhabi" panose="020B0604020202020204" pitchFamily="2" charset="-78"/>
               </a:rPr>
-              <a:t>Title</a:t>
+              <a:t>Benzodiazepine</a:t>
+            </a:r>
+            <a:br>
+              <a:rPr lang="en-US" sz="2400" dirty="0">
+                <a:latin typeface="Arial Nova" panose="020B0604020202020204" pitchFamily="34" charset="0"/>
+                <a:cs typeface="Aldhabi" panose="020B0604020202020204" pitchFamily="2" charset="-78"/>
+              </a:rPr>
+            </a:br>
+            <a:r>
+              <a:rPr lang="en-US" sz="2400" dirty="0">
+                <a:latin typeface="Arial Nova" panose="020B0604020202020204" pitchFamily="34" charset="0"/>
+                <a:cs typeface="Aldhabi" panose="020B0604020202020204" pitchFamily="2" charset="-78"/>
+              </a:rPr>
+              <a:t> Reports by Month</a:t>
             </a:r>
           </a:p>
         </p:txBody>
@@ -6426,7 +5982,7 @@
               <a:rPr lang="en-US" dirty="0">
                 <a:latin typeface="Arial Narrow" panose="020B0606020202030204" pitchFamily="34" charset="0"/>
               </a:rPr>
-              <a:t>details</a:t>
+              <a:t>Drug class = benzodiazepine</a:t>
             </a:r>
           </a:p>
           <a:p>
@@ -6438,7 +5994,7 @@
               <a:rPr lang="en-US" dirty="0">
                 <a:latin typeface="Arial Narrow" panose="020B0606020202030204" pitchFamily="34" charset="0"/>
               </a:rPr>
-              <a:t>details</a:t>
+              <a:t>Reporting date</a:t>
             </a:r>
           </a:p>
           <a:p>
@@ -6446,16 +6002,179 @@
               <a:buFont typeface="Arial" panose="020B0604020202020204" pitchFamily="34" charset="0"/>
               <a:buChar char="•"/>
             </a:pPr>
+            <a:r>
+              <a:rPr lang="en-US" dirty="0">
+                <a:latin typeface="Arial Narrow" panose="020B0606020202030204" pitchFamily="34" charset="0"/>
+              </a:rPr>
+              <a:t>Age bins</a:t>
+            </a:r>
+          </a:p>
+          <a:p>
+            <a:pPr marL="285750" indent="-285750">
+              <a:buFont typeface="Arial" panose="020B0604020202020204" pitchFamily="34" charset="0"/>
+              <a:buChar char="•"/>
+            </a:pPr>
+            <a:r>
+              <a:rPr lang="en-US" dirty="0">
+                <a:latin typeface="Arial Narrow" panose="020B0606020202030204" pitchFamily="34" charset="0"/>
+              </a:rPr>
+              <a:t>1-way ANOVA (analysis of variance)</a:t>
+            </a:r>
+          </a:p>
+          <a:p>
+            <a:pPr marL="285750" indent="-285750">
+              <a:buFont typeface="Arial" panose="020B0604020202020204" pitchFamily="34" charset="0"/>
+              <a:buChar char="•"/>
+            </a:pPr>
+            <a:r>
+              <a:rPr lang="en-US" dirty="0">
+                <a:latin typeface="Arial Narrow" panose="020B0606020202030204" pitchFamily="34" charset="0"/>
+              </a:rPr>
+              <a:t>Pair-wise Post-Hoc Tukey</a:t>
+            </a:r>
+          </a:p>
+          <a:p>
+            <a:pPr marL="285750" indent="-285750">
+              <a:buFont typeface="Arial" panose="020B0604020202020204" pitchFamily="34" charset="0"/>
+              <a:buChar char="•"/>
+            </a:pPr>
+            <a:r>
+              <a:rPr lang="en-US" dirty="0">
+                <a:latin typeface="Arial Narrow" panose="020B0606020202030204" pitchFamily="34" charset="0"/>
+              </a:rPr>
+              <a:t>50-59 and 60-69 bins are statistically significantly higher than all other age groups</a:t>
+            </a:r>
+          </a:p>
+          <a:p>
+            <a:pPr marL="285750" indent="-285750">
+              <a:buFont typeface="Arial" panose="020B0604020202020204" pitchFamily="34" charset="0"/>
+              <a:buChar char="•"/>
+            </a:pPr>
+            <a:r>
+              <a:rPr lang="en-US" dirty="0">
+                <a:latin typeface="Arial Narrow" panose="020B0606020202030204" pitchFamily="34" charset="0"/>
+              </a:rPr>
+              <a:t>Same months (Dec, Jan, Feb)</a:t>
+            </a:r>
+          </a:p>
+          <a:p>
             <a:endParaRPr lang="en-US" dirty="0">
               <a:latin typeface="Arial Narrow" panose="020B0606020202030204" pitchFamily="34" charset="0"/>
             </a:endParaRPr>
           </a:p>
         </p:txBody>
       </p:sp>
+      <p:pic>
+        <p:nvPicPr>
+          <p:cNvPr id="5" name="Graphic 4">
+            <a:extLst>
+              <a:ext uri="{FF2B5EF4-FFF2-40B4-BE49-F238E27FC236}">
+                <a16:creationId xmlns:a16="http://schemas.microsoft.com/office/drawing/2014/main" id="{8AFAAC1C-768B-4857-9720-4BEE438B35BB}"/>
+              </a:ext>
+            </a:extLst>
+          </p:cNvPr>
+          <p:cNvPicPr>
+            <a:picLocks noChangeAspect="1"/>
+          </p:cNvPicPr>
+          <p:nvPr/>
+        </p:nvPicPr>
+        <p:blipFill rotWithShape="1">
+          <a:blip r:embed="rId2">
+            <a:extLst>
+              <a:ext uri="{96DAC541-7B7A-43D3-8B79-37D633B846F1}">
+                <asvg:svgBlip xmlns:asvg="http://schemas.microsoft.com/office/drawing/2016/SVG/main" r:embed="rId3"/>
+              </a:ext>
+            </a:extLst>
+          </a:blip>
+          <a:srcRect t="5240" r="8660"/>
+          <a:stretch/>
+        </p:blipFill>
+        <p:spPr>
+          <a:xfrm>
+            <a:off x="265105" y="224116"/>
+            <a:ext cx="7388202" cy="5109883"/>
+          </a:xfrm>
+          <a:prstGeom prst="rect">
+            <a:avLst/>
+          </a:prstGeom>
+        </p:spPr>
+      </p:pic>
+      <p:sp>
+        <p:nvSpPr>
+          <p:cNvPr id="9" name="TextBox 8">
+            <a:extLst>
+              <a:ext uri="{FF2B5EF4-FFF2-40B4-BE49-F238E27FC236}">
+                <a16:creationId xmlns:a16="http://schemas.microsoft.com/office/drawing/2014/main" id="{1230EE82-9DB9-4BEC-807F-E56C34EAD5EE}"/>
+              </a:ext>
+            </a:extLst>
+          </p:cNvPr>
+          <p:cNvSpPr txBox="1"/>
+          <p:nvPr/>
+        </p:nvSpPr>
+        <p:spPr>
+          <a:xfrm>
+            <a:off x="571837" y="5433555"/>
+            <a:ext cx="7004013" cy="1200329"/>
+          </a:xfrm>
+          <a:prstGeom prst="rect">
+            <a:avLst/>
+          </a:prstGeom>
+          <a:ln w="38100" cap="sq">
+            <a:solidFill>
+              <a:srgbClr val="000000"/>
+            </a:solidFill>
+            <a:prstDash val="solid"/>
+            <a:miter lim="800000"/>
+          </a:ln>
+          <a:effectLst>
+            <a:outerShdw blurRad="50800" dist="38100" dir="2700000" algn="tl" rotWithShape="0">
+              <a:srgbClr val="000000">
+                <a:alpha val="43000"/>
+              </a:srgbClr>
+            </a:outerShdw>
+          </a:effectLst>
+        </p:spPr>
+        <p:txBody>
+          <a:bodyPr wrap="square" rtlCol="0">
+            <a:spAutoFit/>
+          </a:bodyPr>
+          <a:lstStyle/>
+          <a:p>
+            <a:pPr algn="ctr"/>
+            <a:r>
+              <a:rPr lang="en-US" sz="2400" dirty="0">
+                <a:latin typeface="Arial Nova" panose="020B0604020202020204" pitchFamily="34" charset="0"/>
+                <a:cs typeface="Aldhabi" panose="020B0604020202020204" pitchFamily="2" charset="-78"/>
+              </a:rPr>
+              <a:t>50-59 &amp; 60-69 higher event count,</a:t>
+            </a:r>
+          </a:p>
+          <a:p>
+            <a:pPr algn="ctr"/>
+            <a:r>
+              <a:rPr lang="en-US" sz="2400" dirty="0">
+                <a:latin typeface="Arial Nova" panose="020B0604020202020204" pitchFamily="34" charset="0"/>
+                <a:cs typeface="Aldhabi" panose="020B0604020202020204" pitchFamily="2" charset="-78"/>
+              </a:rPr>
+              <a:t>Seasonal increase in Benzodiazepine</a:t>
+            </a:r>
+          </a:p>
+          <a:p>
+            <a:pPr algn="ctr"/>
+            <a:r>
+              <a:rPr lang="en-US" sz="2400" dirty="0">
+                <a:latin typeface="Arial Nova" panose="020B0604020202020204" pitchFamily="34" charset="0"/>
+                <a:cs typeface="Aldhabi" panose="020B0604020202020204" pitchFamily="2" charset="-78"/>
+              </a:rPr>
+              <a:t>adverse effects reported for these ages!</a:t>
+            </a:r>
+          </a:p>
+        </p:txBody>
+      </p:sp>
     </p:spTree>
     <p:extLst>
       <p:ext uri="{BB962C8B-B14F-4D97-AF65-F5344CB8AC3E}">
-        <p14:creationId xmlns:p14="http://schemas.microsoft.com/office/powerpoint/2010/main" val="2006048584"/>
+        <p14:creationId xmlns:p14="http://schemas.microsoft.com/office/powerpoint/2010/main" val="1829138384"/>
       </p:ext>
     </p:extLst>
   </p:cSld>
@@ -6742,24 +6461,6 @@
 </file>
 
 <file path=customXml/item1.xml><?xml version="1.0" encoding="utf-8"?>
-<?mso-contentType ?>
-<FormTemplates xmlns="http://schemas.microsoft.com/sharepoint/v3/contenttype/forms">
-  <Display>DocumentLibraryForm</Display>
-  <Edit>DocumentLibraryForm</Edit>
-  <New>DocumentLibraryForm</New>
-</FormTemplates>
-</file>
-
-<file path=customXml/item2.xml><?xml version="1.0" encoding="utf-8"?>
-<p:properties xmlns:p="http://schemas.microsoft.com/office/2006/metadata/properties" xmlns:xsi="http://www.w3.org/2001/XMLSchema-instance" xmlns:pc="http://schemas.microsoft.com/office/infopath/2007/PartnerControls">
-  <documentManagement>
-    <Status xmlns="71af3243-3dd4-4a8d-8c0d-dd76da1f02a5">Not started</Status>
-    <MediaServiceKeyPoints xmlns="71af3243-3dd4-4a8d-8c0d-dd76da1f02a5" xsi:nil="true"/>
-  </documentManagement>
-</p:properties>
-</file>
-
-<file path=customXml/item3.xml><?xml version="1.0" encoding="utf-8"?>
 <ct:contentTypeSchema xmlns:ct="http://schemas.microsoft.com/office/2006/metadata/contentType" xmlns:ma="http://schemas.microsoft.com/office/2006/metadata/properties/metaAttributes" ct:_="" ma:_="" ma:contentTypeName="Document" ma:contentTypeID="0x01010079F111ED35F8CC479449609E8A0923A6" ma:contentTypeVersion="12" ma:contentTypeDescription="Create a new document." ma:contentTypeScope="" ma:versionID="a410dd7f93c95333ffa1b60ed6adedd1">
   <xsd:schema xmlns:xsd="http://www.w3.org/2001/XMLSchema" xmlns:xs="http://www.w3.org/2001/XMLSchema" xmlns:p="http://schemas.microsoft.com/office/2006/metadata/properties" xmlns:ns2="71af3243-3dd4-4a8d-8c0d-dd76da1f02a5" xmlns:ns3="16c05727-aa75-4e4a-9b5f-8a80a1165891" targetNamespace="http://schemas.microsoft.com/office/2006/metadata/properties" ma:root="true" ma:fieldsID="a936d9baba76aa3866493feff160faab" ns2:_="" ns3:_="">
     <xsd:import namespace="71af3243-3dd4-4a8d-8c0d-dd76da1f02a5"/>
@@ -6980,25 +6681,25 @@
 </ct:contentTypeSchema>
 </file>
 
-<file path=customXml/itemProps1.xml><?xml version="1.0" encoding="utf-8"?>
-<ds:datastoreItem xmlns:ds="http://schemas.openxmlformats.org/officeDocument/2006/customXml" ds:itemID="{AE2713E1-6312-427E-BFCB-C5A5DA301373}">
-  <ds:schemaRefs>
-    <ds:schemaRef ds:uri="http://schemas.microsoft.com/sharepoint/v3/contenttype/forms"/>
-  </ds:schemaRefs>
-</ds:datastoreItem>
+<file path=customXml/item2.xml><?xml version="1.0" encoding="utf-8"?>
+<p:properties xmlns:p="http://schemas.microsoft.com/office/2006/metadata/properties" xmlns:xsi="http://www.w3.org/2001/XMLSchema-instance" xmlns:pc="http://schemas.microsoft.com/office/infopath/2007/PartnerControls">
+  <documentManagement>
+    <Status xmlns="71af3243-3dd4-4a8d-8c0d-dd76da1f02a5">Not started</Status>
+    <MediaServiceKeyPoints xmlns="71af3243-3dd4-4a8d-8c0d-dd76da1f02a5" xsi:nil="true"/>
+  </documentManagement>
+</p:properties>
 </file>
 
-<file path=customXml/itemProps2.xml><?xml version="1.0" encoding="utf-8"?>
-<ds:datastoreItem xmlns:ds="http://schemas.openxmlformats.org/officeDocument/2006/customXml" ds:itemID="{52F3B215-496E-4790-A364-7C1C46DEC771}">
-  <ds:schemaRefs>
-    <ds:schemaRef ds:uri="http://schemas.microsoft.com/office/2006/metadata/properties"/>
-    <ds:schemaRef ds:uri="http://schemas.microsoft.com/office/infopath/2007/PartnerControls"/>
-    <ds:schemaRef ds:uri="71af3243-3dd4-4a8d-8c0d-dd76da1f02a5"/>
-  </ds:schemaRefs>
-</ds:datastoreItem>
+<file path=customXml/item3.xml><?xml version="1.0" encoding="utf-8"?>
+<?mso-contentType ?>
+<FormTemplates xmlns="http://schemas.microsoft.com/sharepoint/v3/contenttype/forms">
+  <Display>DocumentLibraryForm</Display>
+  <Edit>DocumentLibraryForm</Edit>
+  <New>DocumentLibraryForm</New>
+</FormTemplates>
 </file>
 
-<file path=customXml/itemProps3.xml><?xml version="1.0" encoding="utf-8"?>
+<file path=customXml/itemProps1.xml><?xml version="1.0" encoding="utf-8"?>
 <ds:datastoreItem xmlns:ds="http://schemas.openxmlformats.org/officeDocument/2006/customXml" ds:itemID="{50DB95DD-0319-4EE5-8C5C-9CEDF75E024B}">
   <ds:schemaRefs>
     <ds:schemaRef ds:uri="http://schemas.microsoft.com/office/2006/metadata/contentType"/>
@@ -7015,4 +6716,22 @@
     <ds:schemaRef ds:uri="http://schemas.microsoft.com/internal/obd"/>
   </ds:schemaRefs>
 </ds:datastoreItem>
+</file>
+
+<file path=customXml/itemProps2.xml><?xml version="1.0" encoding="utf-8"?>
+<ds:datastoreItem xmlns:ds="http://schemas.openxmlformats.org/officeDocument/2006/customXml" ds:itemID="{52F3B215-496E-4790-A364-7C1C46DEC771}">
+  <ds:schemaRefs>
+    <ds:schemaRef ds:uri="http://schemas.microsoft.com/office/2006/metadata/properties"/>
+    <ds:schemaRef ds:uri="http://schemas.microsoft.com/office/infopath/2007/PartnerControls"/>
+    <ds:schemaRef ds:uri="71af3243-3dd4-4a8d-8c0d-dd76da1f02a5"/>
+  </ds:schemaRefs>
+</ds:datastoreItem>
+</file>
+
+<file path=customXml/itemProps3.xml><?xml version="1.0" encoding="utf-8"?>
+<ds:datastoreItem xmlns:ds="http://schemas.openxmlformats.org/officeDocument/2006/customXml" ds:itemID="{AE2713E1-6312-427E-BFCB-C5A5DA301373}">
+  <ds:schemaRefs>
+    <ds:schemaRef ds:uri="http://schemas.microsoft.com/sharepoint/v3/contenttype/forms"/>
+  </ds:schemaRefs>
+</ds:datastoreItem>
 </file>